--- a/Week5/MyPresentation.pptx
+++ b/Week5/MyPresentation.pptx
@@ -10,12 +10,16 @@
     <p:sldId id="258" r:id="rId4"/>
     <p:sldId id="259" r:id="rId5"/>
     <p:sldId id="260" r:id="rId6"/>
-    <p:sldId id="261" r:id="rId7"/>
-    <p:sldId id="262" r:id="rId8"/>
-    <p:sldId id="263" r:id="rId9"/>
-    <p:sldId id="264" r:id="rId10"/>
-    <p:sldId id="266" r:id="rId11"/>
-    <p:sldId id="265" r:id="rId12"/>
+    <p:sldId id="268" r:id="rId7"/>
+    <p:sldId id="269" r:id="rId8"/>
+    <p:sldId id="270" r:id="rId9"/>
+    <p:sldId id="261" r:id="rId10"/>
+    <p:sldId id="263" r:id="rId11"/>
+    <p:sldId id="262" r:id="rId12"/>
+    <p:sldId id="264" r:id="rId13"/>
+    <p:sldId id="266" r:id="rId14"/>
+    <p:sldId id="267" r:id="rId15"/>
+    <p:sldId id="265" r:id="rId16"/>
   </p:sldIdLst>
   <p:sldSz cx="12192000" cy="6858000"/>
   <p:notesSz cx="6858000" cy="9144000"/>
@@ -114,6 +118,11 @@
       </a:defRPr>
     </a:lvl9pPr>
   </p:defaultTextStyle>
+  <p:extLst>
+    <p:ext uri="{EFAFB233-063F-42B5-8137-9DF3F51BA10A}">
+      <p15:sldGuideLst xmlns:p15="http://schemas.microsoft.com/office/powerpoint/2012/main"/>
+    </p:ext>
+  </p:extLst>
 </p:presentation>
 </file>
 
@@ -3068,7 +3077,19 @@
           <a:p>
             <a:r>
               <a:rPr lang="en-MY" sz="2800" b="1" dirty="0"/>
-              <a:t>Exploring Good Places at Scarborough Town in Toronto</a:t>
+              <a:t>Exploring Good Places at </a:t>
+            </a:r>
+            <a:r>
+              <a:rPr lang="en-MY" sz="2800" b="1"/>
+              <a:t>Scarborough </a:t>
+            </a:r>
+            <a:r>
+              <a:rPr lang="en-MY" sz="2800" b="1" smtClean="0"/>
+              <a:t>in </a:t>
+            </a:r>
+            <a:r>
+              <a:rPr lang="en-MY" sz="2800" b="1" dirty="0"/>
+              <a:t>Toronto</a:t>
             </a:r>
             <a:r>
               <a:rPr lang="en-MY" sz="2800" b="1" dirty="0" smtClean="0">
@@ -3127,22 +3148,30 @@
             <p:ph type="title"/>
           </p:nvPr>
         </p:nvSpPr>
-        <p:spPr/>
-        <p:txBody>
-          <a:bodyPr/>
-          <a:lstStyle/>
-          <a:p>
-            <a:r>
-              <a:rPr lang="en-US" dirty="0" smtClean="0">
+        <p:spPr>
+          <a:xfrm>
+            <a:off x="800100" y="2698750"/>
+            <a:ext cx="10515600" cy="1325563"/>
+          </a:xfrm>
+        </p:spPr>
+        <p:txBody>
+          <a:bodyPr>
+            <a:normAutofit fontScale="90000"/>
+          </a:bodyPr>
+          <a:lstStyle/>
+          <a:p>
+            <a:pPr algn="ctr"/>
+            <a:r>
+              <a:rPr lang="en-US" sz="9800" b="1" dirty="0" smtClean="0">
                 <a:solidFill>
                   <a:schemeClr val="accent1">
                     <a:lumMod val="75000"/>
                   </a:schemeClr>
                 </a:solidFill>
               </a:rPr>
-              <a:t>Top School Rating</a:t>
-            </a:r>
-            <a:endParaRPr lang="en-MY" dirty="0">
+              <a:t>RESULTS</a:t>
+            </a:r>
+            <a:endParaRPr lang="en-MY" b="1" dirty="0">
               <a:solidFill>
                 <a:schemeClr val="accent1">
                   <a:lumMod val="75000"/>
@@ -3152,33 +3181,10 @@
           </a:p>
         </p:txBody>
       </p:sp>
-      <p:pic>
-        <p:nvPicPr>
-          <p:cNvPr id="4" name="Picture 3"/>
-          <p:cNvPicPr>
-            <a:picLocks noChangeAspect="1"/>
-          </p:cNvPicPr>
-          <p:nvPr/>
-        </p:nvPicPr>
-        <p:blipFill rotWithShape="1">
-          <a:blip r:embed="rId2"/>
-          <a:srcRect l="32026" t="28456" r="28066" b="15030"/>
-          <a:stretch/>
-        </p:blipFill>
-        <p:spPr>
-          <a:xfrm>
-            <a:off x="2056197" y="1690688"/>
-            <a:ext cx="8524649" cy="5092866"/>
-          </a:xfrm>
-          <a:prstGeom prst="rect">
-            <a:avLst/>
-          </a:prstGeom>
-        </p:spPr>
-      </p:pic>
     </p:spTree>
     <p:extLst>
       <p:ext uri="{BB962C8B-B14F-4D97-AF65-F5344CB8AC3E}">
-        <p14:creationId xmlns:p14="http://schemas.microsoft.com/office/powerpoint/2010/main" val="2534925994"/>
+        <p14:creationId xmlns:p14="http://schemas.microsoft.com/office/powerpoint/2010/main" val="1102483506"/>
       </p:ext>
     </p:extLst>
   </p:cSld>
@@ -3221,14 +3227,14 @@
           <a:lstStyle/>
           <a:p>
             <a:r>
-              <a:rPr lang="en-US" dirty="0" smtClean="0">
+              <a:rPr lang="en-MY" b="1" dirty="0">
                 <a:solidFill>
                   <a:schemeClr val="accent1">
                     <a:lumMod val="75000"/>
                   </a:schemeClr>
                 </a:solidFill>
               </a:rPr>
-              <a:t>Conclusion</a:t>
+              <a:t>Map of Clusters in Scarborough</a:t>
             </a:r>
             <a:endParaRPr lang="en-MY" dirty="0">
               <a:solidFill>
@@ -3240,6 +3246,272 @@
           </a:p>
         </p:txBody>
       </p:sp>
+      <p:pic>
+        <p:nvPicPr>
+          <p:cNvPr id="6" name="Picture 5"/>
+          <p:cNvPicPr>
+            <a:picLocks noChangeAspect="1"/>
+          </p:cNvPicPr>
+          <p:nvPr/>
+        </p:nvPicPr>
+        <p:blipFill rotWithShape="1">
+          <a:blip r:embed="rId2"/>
+          <a:srcRect l="672" t="14842" r="57116" b="26581"/>
+          <a:stretch/>
+        </p:blipFill>
+        <p:spPr>
+          <a:xfrm>
+            <a:off x="2429607" y="1690688"/>
+            <a:ext cx="7675685" cy="4493510"/>
+          </a:xfrm>
+          <a:prstGeom prst="rect">
+            <a:avLst/>
+          </a:prstGeom>
+        </p:spPr>
+      </p:pic>
+    </p:spTree>
+    <p:extLst>
+      <p:ext uri="{BB962C8B-B14F-4D97-AF65-F5344CB8AC3E}">
+        <p14:creationId xmlns:p14="http://schemas.microsoft.com/office/powerpoint/2010/main" val="2964254661"/>
+      </p:ext>
+    </p:extLst>
+  </p:cSld>
+  <p:clrMapOvr>
+    <a:masterClrMapping/>
+  </p:clrMapOvr>
+</p:sld>
+</file>
+
+<file path=ppt/slides/slide12.xml><?xml version="1.0" encoding="utf-8"?>
+<p:sld xmlns:a="http://schemas.openxmlformats.org/drawingml/2006/main" xmlns:r="http://schemas.openxmlformats.org/officeDocument/2006/relationships" xmlns:p="http://schemas.openxmlformats.org/presentationml/2006/main">
+  <p:cSld>
+    <p:spTree>
+      <p:nvGrpSpPr>
+        <p:cNvPr id="1" name=""/>
+        <p:cNvGrpSpPr/>
+        <p:nvPr/>
+      </p:nvGrpSpPr>
+      <p:grpSpPr>
+        <a:xfrm>
+          <a:off x="0" y="0"/>
+          <a:ext cx="0" cy="0"/>
+          <a:chOff x="0" y="0"/>
+          <a:chExt cx="0" cy="0"/>
+        </a:xfrm>
+      </p:grpSpPr>
+      <p:sp>
+        <p:nvSpPr>
+          <p:cNvPr id="2" name="Title 1"/>
+          <p:cNvSpPr>
+            <a:spLocks noGrp="1"/>
+          </p:cNvSpPr>
+          <p:nvPr>
+            <p:ph type="title"/>
+          </p:nvPr>
+        </p:nvSpPr>
+        <p:spPr/>
+        <p:txBody>
+          <a:bodyPr>
+            <a:normAutofit/>
+          </a:bodyPr>
+          <a:lstStyle/>
+          <a:p>
+            <a:r>
+              <a:rPr lang="en-US" sz="4000" b="1" dirty="0" smtClean="0">
+                <a:solidFill>
+                  <a:schemeClr val="accent1">
+                    <a:lumMod val="75000"/>
+                  </a:schemeClr>
+                </a:solidFill>
+              </a:rPr>
+              <a:t>Average Housing Price</a:t>
+            </a:r>
+            <a:endParaRPr lang="en-MY" sz="4000" b="1" dirty="0">
+              <a:solidFill>
+                <a:schemeClr val="accent1">
+                  <a:lumMod val="75000"/>
+                </a:schemeClr>
+              </a:solidFill>
+            </a:endParaRPr>
+          </a:p>
+        </p:txBody>
+      </p:sp>
+      <p:pic>
+        <p:nvPicPr>
+          <p:cNvPr id="5" name="Picture 4"/>
+          <p:cNvPicPr>
+            <a:picLocks noChangeAspect="1"/>
+          </p:cNvPicPr>
+          <p:nvPr/>
+        </p:nvPicPr>
+        <p:blipFill rotWithShape="1">
+          <a:blip r:embed="rId2"/>
+          <a:srcRect l="36132" t="20503" r="30277" b="4737"/>
+          <a:stretch/>
+        </p:blipFill>
+        <p:spPr>
+          <a:xfrm>
+            <a:off x="5524405" y="365125"/>
+            <a:ext cx="6580658" cy="6178550"/>
+          </a:xfrm>
+          <a:prstGeom prst="rect">
+            <a:avLst/>
+          </a:prstGeom>
+        </p:spPr>
+      </p:pic>
+    </p:spTree>
+    <p:extLst>
+      <p:ext uri="{BB962C8B-B14F-4D97-AF65-F5344CB8AC3E}">
+        <p14:creationId xmlns:p14="http://schemas.microsoft.com/office/powerpoint/2010/main" val="2309691875"/>
+      </p:ext>
+    </p:extLst>
+  </p:cSld>
+  <p:clrMapOvr>
+    <a:masterClrMapping/>
+  </p:clrMapOvr>
+</p:sld>
+</file>
+
+<file path=ppt/slides/slide13.xml><?xml version="1.0" encoding="utf-8"?>
+<p:sld xmlns:a="http://schemas.openxmlformats.org/drawingml/2006/main" xmlns:r="http://schemas.openxmlformats.org/officeDocument/2006/relationships" xmlns:p="http://schemas.openxmlformats.org/presentationml/2006/main">
+  <p:cSld>
+    <p:spTree>
+      <p:nvGrpSpPr>
+        <p:cNvPr id="1" name=""/>
+        <p:cNvGrpSpPr/>
+        <p:nvPr/>
+      </p:nvGrpSpPr>
+      <p:grpSpPr>
+        <a:xfrm>
+          <a:off x="0" y="0"/>
+          <a:ext cx="0" cy="0"/>
+          <a:chOff x="0" y="0"/>
+          <a:chExt cx="0" cy="0"/>
+        </a:xfrm>
+      </p:grpSpPr>
+      <p:sp>
+        <p:nvSpPr>
+          <p:cNvPr id="2" name="Title 1"/>
+          <p:cNvSpPr>
+            <a:spLocks noGrp="1"/>
+          </p:cNvSpPr>
+          <p:nvPr>
+            <p:ph type="title"/>
+          </p:nvPr>
+        </p:nvSpPr>
+        <p:spPr/>
+        <p:txBody>
+          <a:bodyPr/>
+          <a:lstStyle/>
+          <a:p>
+            <a:r>
+              <a:rPr lang="en-US" b="1" dirty="0" smtClean="0">
+                <a:solidFill>
+                  <a:schemeClr val="accent1">
+                    <a:lumMod val="75000"/>
+                  </a:schemeClr>
+                </a:solidFill>
+              </a:rPr>
+              <a:t>Top School Rating</a:t>
+            </a:r>
+            <a:endParaRPr lang="en-MY" b="1" dirty="0">
+              <a:solidFill>
+                <a:schemeClr val="accent1">
+                  <a:lumMod val="75000"/>
+                </a:schemeClr>
+              </a:solidFill>
+            </a:endParaRPr>
+          </a:p>
+        </p:txBody>
+      </p:sp>
+      <p:pic>
+        <p:nvPicPr>
+          <p:cNvPr id="5" name="Picture 4"/>
+          <p:cNvPicPr>
+            <a:picLocks noChangeAspect="1"/>
+          </p:cNvPicPr>
+          <p:nvPr/>
+        </p:nvPicPr>
+        <p:blipFill rotWithShape="1">
+          <a:blip r:embed="rId2"/>
+          <a:srcRect l="37355" t="18258" r="32053" b="8854"/>
+          <a:stretch/>
+        </p:blipFill>
+        <p:spPr>
+          <a:xfrm>
+            <a:off x="5308232" y="365125"/>
+            <a:ext cx="6445617" cy="6478884"/>
+          </a:xfrm>
+          <a:prstGeom prst="rect">
+            <a:avLst/>
+          </a:prstGeom>
+        </p:spPr>
+      </p:pic>
+    </p:spTree>
+    <p:extLst>
+      <p:ext uri="{BB962C8B-B14F-4D97-AF65-F5344CB8AC3E}">
+        <p14:creationId xmlns:p14="http://schemas.microsoft.com/office/powerpoint/2010/main" val="2534925994"/>
+      </p:ext>
+    </p:extLst>
+  </p:cSld>
+  <p:clrMapOvr>
+    <a:masterClrMapping/>
+  </p:clrMapOvr>
+</p:sld>
+</file>
+
+<file path=ppt/slides/slide14.xml><?xml version="1.0" encoding="utf-8"?>
+<p:sld xmlns:a="http://schemas.openxmlformats.org/drawingml/2006/main" xmlns:r="http://schemas.openxmlformats.org/officeDocument/2006/relationships" xmlns:p="http://schemas.openxmlformats.org/presentationml/2006/main">
+  <p:cSld>
+    <p:spTree>
+      <p:nvGrpSpPr>
+        <p:cNvPr id="1" name=""/>
+        <p:cNvGrpSpPr/>
+        <p:nvPr/>
+      </p:nvGrpSpPr>
+      <p:grpSpPr>
+        <a:xfrm>
+          <a:off x="0" y="0"/>
+          <a:ext cx="0" cy="0"/>
+          <a:chOff x="0" y="0"/>
+          <a:chExt cx="0" cy="0"/>
+        </a:xfrm>
+      </p:grpSpPr>
+      <p:sp>
+        <p:nvSpPr>
+          <p:cNvPr id="2" name="Title 1"/>
+          <p:cNvSpPr>
+            <a:spLocks noGrp="1"/>
+          </p:cNvSpPr>
+          <p:nvPr>
+            <p:ph type="title"/>
+          </p:nvPr>
+        </p:nvSpPr>
+        <p:spPr/>
+        <p:txBody>
+          <a:bodyPr/>
+          <a:lstStyle/>
+          <a:p>
+            <a:r>
+              <a:rPr lang="en-US" b="1" dirty="0" smtClean="0">
+                <a:solidFill>
+                  <a:schemeClr val="accent1">
+                    <a:lumMod val="75000"/>
+                  </a:schemeClr>
+                </a:solidFill>
+              </a:rPr>
+              <a:t>Discussion</a:t>
+            </a:r>
+            <a:endParaRPr lang="en-MY" b="1" dirty="0">
+              <a:solidFill>
+                <a:schemeClr val="accent1">
+                  <a:lumMod val="75000"/>
+                </a:schemeClr>
+              </a:solidFill>
+            </a:endParaRPr>
+          </a:p>
+        </p:txBody>
+      </p:sp>
       <p:sp>
         <p:nvSpPr>
           <p:cNvPr id="3" name="Content Placeholder 2"/>
@@ -3252,10 +3524,192 @@
         </p:nvSpPr>
         <p:spPr/>
         <p:txBody>
-          <a:bodyPr/>
-          <a:lstStyle/>
-          <a:p>
-            <a:endParaRPr lang="en-MY"/>
+          <a:bodyPr>
+            <a:normAutofit lnSpcReduction="10000"/>
+          </a:bodyPr>
+          <a:lstStyle/>
+          <a:p>
+            <a:pPr marL="0" indent="0">
+              <a:buNone/>
+            </a:pPr>
+            <a:r>
+              <a:rPr lang="en-MY" dirty="0" smtClean="0"/>
+              <a:t>Problem Which Tried to Solve:</a:t>
+            </a:r>
+          </a:p>
+          <a:p>
+            <a:r>
+              <a:rPr lang="en-MY" dirty="0" smtClean="0"/>
+              <a:t>The major purpose of this project, is to suggest a better </a:t>
+            </a:r>
+            <a:r>
+              <a:rPr lang="en-MY" dirty="0" err="1" smtClean="0"/>
+              <a:t>neighborhood</a:t>
+            </a:r>
+            <a:r>
+              <a:rPr lang="en-MY" dirty="0" smtClean="0"/>
+              <a:t> in a new city for the person who are </a:t>
+            </a:r>
+            <a:r>
+              <a:rPr lang="en-MY" dirty="0" err="1" smtClean="0"/>
+              <a:t>shiffting</a:t>
+            </a:r>
+            <a:r>
+              <a:rPr lang="en-MY" dirty="0" smtClean="0"/>
+              <a:t> there. Social presence in society in terms of like minded people. Connectivity to the airport, bus stand, city </a:t>
+            </a:r>
+            <a:r>
+              <a:rPr lang="en-MY" dirty="0" err="1" smtClean="0"/>
+              <a:t>center</a:t>
+            </a:r>
+            <a:r>
+              <a:rPr lang="en-MY" dirty="0" smtClean="0"/>
+              <a:t>, markets and other daily needs things nearby.</a:t>
+            </a:r>
+          </a:p>
+          <a:p>
+            <a:endParaRPr lang="en-MY" dirty="0" smtClean="0"/>
+          </a:p>
+          <a:p>
+            <a:r>
+              <a:rPr lang="en-MY" dirty="0" smtClean="0"/>
+              <a:t>1. Sorted list of house in terms of housing prices in a ascending or descending order</a:t>
+            </a:r>
+          </a:p>
+          <a:p>
+            <a:r>
+              <a:rPr lang="en-MY" dirty="0" smtClean="0"/>
+              <a:t>2. Sorted list of schools in terms of location, fees, rating and reviews</a:t>
+            </a:r>
+          </a:p>
+          <a:p>
+            <a:endParaRPr lang="en-MY" dirty="0"/>
+          </a:p>
+        </p:txBody>
+      </p:sp>
+    </p:spTree>
+    <p:extLst>
+      <p:ext uri="{BB962C8B-B14F-4D97-AF65-F5344CB8AC3E}">
+        <p14:creationId xmlns:p14="http://schemas.microsoft.com/office/powerpoint/2010/main" val="618997576"/>
+      </p:ext>
+    </p:extLst>
+  </p:cSld>
+  <p:clrMapOvr>
+    <a:masterClrMapping/>
+  </p:clrMapOvr>
+</p:sld>
+</file>
+
+<file path=ppt/slides/slide15.xml><?xml version="1.0" encoding="utf-8"?>
+<p:sld xmlns:a="http://schemas.openxmlformats.org/drawingml/2006/main" xmlns:r="http://schemas.openxmlformats.org/officeDocument/2006/relationships" xmlns:p="http://schemas.openxmlformats.org/presentationml/2006/main">
+  <p:cSld>
+    <p:spTree>
+      <p:nvGrpSpPr>
+        <p:cNvPr id="1" name=""/>
+        <p:cNvGrpSpPr/>
+        <p:nvPr/>
+      </p:nvGrpSpPr>
+      <p:grpSpPr>
+        <a:xfrm>
+          <a:off x="0" y="0"/>
+          <a:ext cx="0" cy="0"/>
+          <a:chOff x="0" y="0"/>
+          <a:chExt cx="0" cy="0"/>
+        </a:xfrm>
+      </p:grpSpPr>
+      <p:sp>
+        <p:nvSpPr>
+          <p:cNvPr id="2" name="Title 1"/>
+          <p:cNvSpPr>
+            <a:spLocks noGrp="1"/>
+          </p:cNvSpPr>
+          <p:nvPr>
+            <p:ph type="title"/>
+          </p:nvPr>
+        </p:nvSpPr>
+        <p:spPr/>
+        <p:txBody>
+          <a:bodyPr/>
+          <a:lstStyle/>
+          <a:p>
+            <a:r>
+              <a:rPr lang="en-US" b="1" dirty="0" smtClean="0">
+                <a:solidFill>
+                  <a:schemeClr val="accent1">
+                    <a:lumMod val="75000"/>
+                  </a:schemeClr>
+                </a:solidFill>
+              </a:rPr>
+              <a:t>Conclusion</a:t>
+            </a:r>
+            <a:endParaRPr lang="en-MY" b="1" dirty="0">
+              <a:solidFill>
+                <a:schemeClr val="accent1">
+                  <a:lumMod val="75000"/>
+                </a:schemeClr>
+              </a:solidFill>
+            </a:endParaRPr>
+          </a:p>
+        </p:txBody>
+      </p:sp>
+      <p:sp>
+        <p:nvSpPr>
+          <p:cNvPr id="3" name="Content Placeholder 2"/>
+          <p:cNvSpPr>
+            <a:spLocks noGrp="1"/>
+          </p:cNvSpPr>
+          <p:nvPr>
+            <p:ph idx="1"/>
+          </p:nvPr>
+        </p:nvSpPr>
+        <p:spPr/>
+        <p:txBody>
+          <a:bodyPr>
+            <a:normAutofit fontScale="92500"/>
+          </a:bodyPr>
+          <a:lstStyle/>
+          <a:p>
+            <a:r>
+              <a:rPr lang="en-MY" dirty="0" smtClean="0"/>
+              <a:t>In this project, using k-means cluster algorithm I separated the </a:t>
+            </a:r>
+            <a:r>
+              <a:rPr lang="en-MY" dirty="0" err="1" smtClean="0"/>
+              <a:t>neighborhood</a:t>
+            </a:r>
+            <a:r>
+              <a:rPr lang="en-MY" dirty="0" smtClean="0"/>
+              <a:t> into 10(Ten) different clusters and for 103 different latitude and </a:t>
+            </a:r>
+            <a:r>
+              <a:rPr lang="en-MY" dirty="0" err="1" smtClean="0"/>
+              <a:t>logitude</a:t>
+            </a:r>
+            <a:r>
+              <a:rPr lang="en-MY" dirty="0" smtClean="0"/>
+              <a:t> from dataset, which have very-similar neighbourhoods around them. Using the charts above results presented to a particular </a:t>
+            </a:r>
+            <a:r>
+              <a:rPr lang="en-MY" dirty="0" err="1" smtClean="0"/>
+              <a:t>neighborhood</a:t>
+            </a:r>
+            <a:r>
+              <a:rPr lang="en-MY" dirty="0" smtClean="0"/>
+              <a:t> based on average house prices and school rating have been made.</a:t>
+            </a:r>
+          </a:p>
+          <a:p>
+            <a:r>
+              <a:rPr lang="en-MY" dirty="0" smtClean="0"/>
+              <a:t>This project has shown me a practical application to resolve a real situation that has impacting personal and financial impact using Data Science tools.</a:t>
+            </a:r>
+          </a:p>
+          <a:p>
+            <a:r>
+              <a:rPr lang="en-MY" dirty="0" smtClean="0"/>
+              <a:t>The mapping with Folium is a very powerful technique to consolidate information and make the analysis and decision better with confidence.</a:t>
+            </a:r>
+            <a:endParaRPr lang="en-MY" dirty="0"/>
           </a:p>
         </p:txBody>
       </p:sp>
@@ -3471,31 +3925,7 @@
             </a:pPr>
             <a:r>
               <a:rPr lang="en-MY" dirty="0" smtClean="0"/>
-              <a:t>The major purpose of this project, is to suggest a better </a:t>
-            </a:r>
-            <a:r>
-              <a:rPr lang="en-MY" dirty="0" err="1" smtClean="0"/>
-              <a:t>neighborhood</a:t>
-            </a:r>
-            <a:r>
-              <a:rPr lang="en-MY" dirty="0" smtClean="0"/>
-              <a:t> in a new city for the person who are </a:t>
-            </a:r>
-            <a:r>
-              <a:rPr lang="en-MY" dirty="0" err="1" smtClean="0"/>
-              <a:t>shiffting</a:t>
-            </a:r>
-            <a:r>
-              <a:rPr lang="en-MY" dirty="0" smtClean="0"/>
-              <a:t> there. Social presence in society in terms of like minded people. Connectivity to the airport, bus stand, city </a:t>
-            </a:r>
-            <a:r>
-              <a:rPr lang="en-MY" dirty="0" err="1" smtClean="0"/>
-              <a:t>center</a:t>
-            </a:r>
-            <a:r>
-              <a:rPr lang="en-MY" dirty="0" smtClean="0"/>
-              <a:t>, markets and other daily needs things nearby.</a:t>
+              <a:t>The major purpose of this project, is to suggest a better neighbourhood in a new city for the person who are shifting there. Social presence in society in terms of like minded people. Connectivity to the airport, bus stand, city centre, markets and other daily needs things nearby.</a:t>
             </a:r>
           </a:p>
           <a:p>
@@ -3652,26 +4082,949 @@
           <a:bodyPr/>
           <a:lstStyle/>
           <a:p>
-            <a:endParaRPr lang="en-MY"/>
-          </a:p>
-        </p:txBody>
-      </p:sp>
-      <p:sp>
-        <p:nvSpPr>
-          <p:cNvPr id="3" name="Content Placeholder 2"/>
-          <p:cNvSpPr>
-            <a:spLocks noGrp="1"/>
+            <a:r>
+              <a:rPr lang="en-US" b="1" dirty="0" smtClean="0">
+                <a:solidFill>
+                  <a:schemeClr val="accent1">
+                    <a:lumMod val="75000"/>
+                  </a:schemeClr>
+                </a:solidFill>
+              </a:rPr>
+              <a:t>Data</a:t>
+            </a:r>
+            <a:endParaRPr lang="en-MY" b="1" dirty="0">
+              <a:solidFill>
+                <a:schemeClr val="accent1">
+                  <a:lumMod val="75000"/>
+                </a:schemeClr>
+              </a:solidFill>
+            </a:endParaRPr>
+          </a:p>
+        </p:txBody>
+      </p:sp>
+      <p:sp>
+        <p:nvSpPr>
+          <p:cNvPr id="5" name="Rectangle 2"/>
+          <p:cNvSpPr>
+            <a:spLocks noGrp="1" noChangeArrowheads="1"/>
           </p:cNvSpPr>
           <p:nvPr>
             <p:ph idx="1"/>
           </p:nvPr>
         </p:nvSpPr>
-        <p:spPr/>
-        <p:txBody>
-          <a:bodyPr/>
-          <a:lstStyle/>
-          <a:p>
-            <a:endParaRPr lang="en-MY"/>
+        <p:spPr bwMode="auto">
+          <a:xfrm>
+            <a:off x="583301" y="1613566"/>
+            <a:ext cx="10689579" cy="4152318"/>
+          </a:xfrm>
+          <a:prstGeom prst="rect">
+            <a:avLst/>
+          </a:prstGeom>
+          <a:solidFill>
+            <a:srgbClr val="FFFFFF"/>
+          </a:solidFill>
+          <a:ln>
+            <a:noFill/>
+          </a:ln>
+          <a:effectLst/>
+          <a:extLst>
+            <a:ext uri="{91240B29-F687-4F45-9708-019B960494DF}">
+              <a14:hiddenLine xmlns:a14="http://schemas.microsoft.com/office/drawing/2010/main" w="9525">
+                <a:solidFill>
+                  <a:schemeClr val="tx1"/>
+                </a:solidFill>
+                <a:miter lim="800000"/>
+                <a:headEnd/>
+                <a:tailEnd/>
+              </a14:hiddenLine>
+            </a:ext>
+            <a:ext uri="{AF507438-7753-43E0-B8FC-AC1667EBCBE1}">
+              <a14:hiddenEffects xmlns:a14="http://schemas.microsoft.com/office/drawing/2010/main">
+                <a:effectLst>
+                  <a:outerShdw dist="35921" dir="2700000" algn="ctr" rotWithShape="0">
+                    <a:schemeClr val="bg2"/>
+                  </a:outerShdw>
+                </a:effectLst>
+              </a14:hiddenEffects>
+            </a:ext>
+          </a:extLst>
+        </p:spPr>
+        <p:txBody>
+          <a:bodyPr vert="horz" wrap="square" lIns="317400" tIns="158700" rIns="317400" bIns="158700" numCol="1" anchor="ctr" anchorCtr="0" compatLnSpc="1">
+            <a:prstTxWarp prst="textNoShape">
+              <a:avLst/>
+            </a:prstTxWarp>
+            <a:spAutoFit/>
+          </a:bodyPr>
+          <a:lstStyle>
+            <a:lvl1pPr eaLnBrk="0" fontAlgn="base" hangingPunct="0">
+              <a:spcBef>
+                <a:spcPct val="0"/>
+              </a:spcBef>
+              <a:spcAft>
+                <a:spcPct val="0"/>
+              </a:spcAft>
+              <a:defRPr>
+                <a:solidFill>
+                  <a:schemeClr val="tx1"/>
+                </a:solidFill>
+                <a:latin typeface="Arial" panose="020B0604020202020204" pitchFamily="34" charset="0"/>
+              </a:defRPr>
+            </a:lvl1pPr>
+            <a:lvl2pPr eaLnBrk="0" fontAlgn="base" hangingPunct="0">
+              <a:spcBef>
+                <a:spcPct val="0"/>
+              </a:spcBef>
+              <a:spcAft>
+                <a:spcPct val="0"/>
+              </a:spcAft>
+              <a:defRPr>
+                <a:solidFill>
+                  <a:schemeClr val="tx1"/>
+                </a:solidFill>
+                <a:latin typeface="Arial" panose="020B0604020202020204" pitchFamily="34" charset="0"/>
+              </a:defRPr>
+            </a:lvl2pPr>
+            <a:lvl3pPr eaLnBrk="0" fontAlgn="base" hangingPunct="0">
+              <a:spcBef>
+                <a:spcPct val="0"/>
+              </a:spcBef>
+              <a:spcAft>
+                <a:spcPct val="0"/>
+              </a:spcAft>
+              <a:defRPr>
+                <a:solidFill>
+                  <a:schemeClr val="tx1"/>
+                </a:solidFill>
+                <a:latin typeface="Arial" panose="020B0604020202020204" pitchFamily="34" charset="0"/>
+              </a:defRPr>
+            </a:lvl3pPr>
+            <a:lvl4pPr eaLnBrk="0" fontAlgn="base" hangingPunct="0">
+              <a:spcBef>
+                <a:spcPct val="0"/>
+              </a:spcBef>
+              <a:spcAft>
+                <a:spcPct val="0"/>
+              </a:spcAft>
+              <a:defRPr>
+                <a:solidFill>
+                  <a:schemeClr val="tx1"/>
+                </a:solidFill>
+                <a:latin typeface="Arial" panose="020B0604020202020204" pitchFamily="34" charset="0"/>
+              </a:defRPr>
+            </a:lvl4pPr>
+            <a:lvl5pPr eaLnBrk="0" fontAlgn="base" hangingPunct="0">
+              <a:spcBef>
+                <a:spcPct val="0"/>
+              </a:spcBef>
+              <a:spcAft>
+                <a:spcPct val="0"/>
+              </a:spcAft>
+              <a:defRPr>
+                <a:solidFill>
+                  <a:schemeClr val="tx1"/>
+                </a:solidFill>
+                <a:latin typeface="Arial" panose="020B0604020202020204" pitchFamily="34" charset="0"/>
+              </a:defRPr>
+            </a:lvl5pPr>
+            <a:lvl6pPr eaLnBrk="0" fontAlgn="base" hangingPunct="0">
+              <a:spcBef>
+                <a:spcPct val="0"/>
+              </a:spcBef>
+              <a:spcAft>
+                <a:spcPct val="0"/>
+              </a:spcAft>
+              <a:defRPr>
+                <a:solidFill>
+                  <a:schemeClr val="tx1"/>
+                </a:solidFill>
+                <a:latin typeface="Arial" panose="020B0604020202020204" pitchFamily="34" charset="0"/>
+              </a:defRPr>
+            </a:lvl6pPr>
+            <a:lvl7pPr eaLnBrk="0" fontAlgn="base" hangingPunct="0">
+              <a:spcBef>
+                <a:spcPct val="0"/>
+              </a:spcBef>
+              <a:spcAft>
+                <a:spcPct val="0"/>
+              </a:spcAft>
+              <a:defRPr>
+                <a:solidFill>
+                  <a:schemeClr val="tx1"/>
+                </a:solidFill>
+                <a:latin typeface="Arial" panose="020B0604020202020204" pitchFamily="34" charset="0"/>
+              </a:defRPr>
+            </a:lvl7pPr>
+            <a:lvl8pPr eaLnBrk="0" fontAlgn="base" hangingPunct="0">
+              <a:spcBef>
+                <a:spcPct val="0"/>
+              </a:spcBef>
+              <a:spcAft>
+                <a:spcPct val="0"/>
+              </a:spcAft>
+              <a:defRPr>
+                <a:solidFill>
+                  <a:schemeClr val="tx1"/>
+                </a:solidFill>
+                <a:latin typeface="Arial" panose="020B0604020202020204" pitchFamily="34" charset="0"/>
+              </a:defRPr>
+            </a:lvl8pPr>
+            <a:lvl9pPr eaLnBrk="0" fontAlgn="base" hangingPunct="0">
+              <a:spcBef>
+                <a:spcPct val="0"/>
+              </a:spcBef>
+              <a:spcAft>
+                <a:spcPct val="0"/>
+              </a:spcAft>
+              <a:defRPr>
+                <a:solidFill>
+                  <a:schemeClr val="tx1"/>
+                </a:solidFill>
+                <a:latin typeface="Arial" panose="020B0604020202020204" pitchFamily="34" charset="0"/>
+              </a:defRPr>
+            </a:lvl9pPr>
+          </a:lstStyle>
+          <a:p>
+            <a:pPr marL="0" marR="0" lvl="0" indent="0" algn="l" defTabSz="914400" rtl="0" eaLnBrk="0" fontAlgn="base" latinLnBrk="0" hangingPunct="0">
+              <a:lnSpc>
+                <a:spcPct val="100000"/>
+              </a:lnSpc>
+              <a:spcBef>
+                <a:spcPct val="0"/>
+              </a:spcBef>
+              <a:spcAft>
+                <a:spcPct val="0"/>
+              </a:spcAft>
+              <a:buClrTx/>
+              <a:buSzTx/>
+              <a:buFontTx/>
+              <a:buNone/>
+              <a:tabLst/>
+            </a:pPr>
+            <a:r>
+              <a:rPr kumimoji="0" lang="en-US" altLang="en-US" sz="2000" b="1" i="0" u="none" strike="noStrike" cap="none" normalizeH="0" baseline="0" dirty="0" smtClean="0">
+                <a:ln>
+                  <a:noFill/>
+                </a:ln>
+                <a:solidFill>
+                  <a:srgbClr val="000000"/>
+                </a:solidFill>
+                <a:effectLst/>
+                <a:latin typeface="Helvetica Neue"/>
+              </a:rPr>
+              <a:t>Source of Data:</a:t>
+            </a:r>
+          </a:p>
+          <a:p>
+            <a:pPr marL="0" marR="0" lvl="0" indent="0" algn="l" defTabSz="914400" rtl="0" eaLnBrk="0" fontAlgn="base" latinLnBrk="0" hangingPunct="0">
+              <a:lnSpc>
+                <a:spcPct val="100000"/>
+              </a:lnSpc>
+              <a:spcBef>
+                <a:spcPct val="0"/>
+              </a:spcBef>
+              <a:spcAft>
+                <a:spcPct val="0"/>
+              </a:spcAft>
+              <a:buClrTx/>
+              <a:buSzTx/>
+              <a:buFontTx/>
+              <a:buNone/>
+              <a:tabLst/>
+            </a:pPr>
+            <a:r>
+              <a:rPr kumimoji="0" lang="en-US" altLang="en-US" sz="1100" b="0" i="0" u="none" strike="noStrike" cap="none" normalizeH="0" baseline="0" dirty="0" smtClean="0">
+                <a:ln>
+                  <a:noFill/>
+                </a:ln>
+                <a:solidFill>
+                  <a:srgbClr val="000000"/>
+                </a:solidFill>
+                <a:effectLst/>
+                <a:latin typeface="Helvetica Neue"/>
+              </a:rPr>
+              <a:t>Data Link: </a:t>
+            </a:r>
+            <a:r>
+              <a:rPr kumimoji="0" lang="en-US" altLang="en-US" sz="1100" b="0" i="0" u="sng" strike="noStrike" cap="none" normalizeH="0" baseline="0" dirty="0" smtClean="0">
+                <a:ln>
+                  <a:noFill/>
+                </a:ln>
+                <a:solidFill>
+                  <a:srgbClr val="296EAA"/>
+                </a:solidFill>
+                <a:effectLst/>
+                <a:latin typeface="Helvetica Neue"/>
+                <a:hlinkClick r:id="rId2"/>
+              </a:rPr>
+              <a:t>https://en.wikipedia.org/wiki/List_of_postal_codes_of_Canada:_M</a:t>
+            </a:r>
+            <a:endParaRPr kumimoji="0" lang="en-US" altLang="en-US" sz="800" b="0" i="0" u="none" strike="noStrike" cap="none" normalizeH="0" baseline="0" dirty="0" smtClean="0">
+              <a:ln>
+                <a:noFill/>
+              </a:ln>
+              <a:solidFill>
+                <a:schemeClr val="tx1"/>
+              </a:solidFill>
+              <a:effectLst/>
+            </a:endParaRPr>
+          </a:p>
+          <a:p>
+            <a:pPr marL="0" marR="0" lvl="0" indent="0" algn="l" defTabSz="914400" rtl="0" eaLnBrk="0" fontAlgn="base" latinLnBrk="0" hangingPunct="0">
+              <a:lnSpc>
+                <a:spcPct val="100000"/>
+              </a:lnSpc>
+              <a:spcBef>
+                <a:spcPct val="0"/>
+              </a:spcBef>
+              <a:spcAft>
+                <a:spcPct val="0"/>
+              </a:spcAft>
+              <a:buClrTx/>
+              <a:buSzTx/>
+              <a:buFontTx/>
+              <a:buNone/>
+              <a:tabLst/>
+            </a:pPr>
+            <a:r>
+              <a:rPr kumimoji="0" lang="en-US" altLang="en-US" sz="1100" b="0" i="0" u="none" strike="noStrike" cap="none" normalizeH="0" baseline="0" dirty="0" smtClean="0">
+                <a:ln>
+                  <a:noFill/>
+                </a:ln>
+                <a:solidFill>
+                  <a:srgbClr val="000000"/>
+                </a:solidFill>
+                <a:effectLst/>
+                <a:latin typeface="Helvetica Neue"/>
+              </a:rPr>
+              <a:t>Will use Scarborough dataset which we scrapped from </a:t>
+            </a:r>
+            <a:r>
+              <a:rPr kumimoji="0" lang="en-US" altLang="en-US" sz="1100" b="0" i="0" u="none" strike="noStrike" cap="none" normalizeH="0" baseline="0" dirty="0" err="1" smtClean="0">
+                <a:ln>
+                  <a:noFill/>
+                </a:ln>
+                <a:solidFill>
+                  <a:srgbClr val="000000"/>
+                </a:solidFill>
+                <a:effectLst/>
+                <a:latin typeface="Helvetica Neue"/>
+              </a:rPr>
+              <a:t>wikipedia</a:t>
+            </a:r>
+            <a:r>
+              <a:rPr kumimoji="0" lang="en-US" altLang="en-US" sz="1100" b="0" i="0" u="none" strike="noStrike" cap="none" normalizeH="0" baseline="0" dirty="0" smtClean="0">
+                <a:ln>
+                  <a:noFill/>
+                </a:ln>
+                <a:solidFill>
+                  <a:srgbClr val="000000"/>
+                </a:solidFill>
+                <a:effectLst/>
+                <a:latin typeface="Helvetica Neue"/>
+              </a:rPr>
+              <a:t> on Week 3. Dataset consisting of latitude and longitude, zip codes.</a:t>
+            </a:r>
+            <a:endParaRPr kumimoji="0" lang="en-US" altLang="en-US" sz="2000" b="1" i="0" u="none" strike="noStrike" cap="none" normalizeH="0" baseline="0" dirty="0" smtClean="0">
+              <a:ln>
+                <a:noFill/>
+              </a:ln>
+              <a:solidFill>
+                <a:srgbClr val="000000"/>
+              </a:solidFill>
+              <a:effectLst/>
+              <a:latin typeface="Helvetica Neue"/>
+            </a:endParaRPr>
+          </a:p>
+          <a:p>
+            <a:pPr marL="0" marR="0" lvl="0" indent="0" algn="l" defTabSz="914400" rtl="0" eaLnBrk="0" fontAlgn="base" latinLnBrk="0" hangingPunct="0">
+              <a:lnSpc>
+                <a:spcPct val="100000"/>
+              </a:lnSpc>
+              <a:spcBef>
+                <a:spcPct val="0"/>
+              </a:spcBef>
+              <a:spcAft>
+                <a:spcPct val="0"/>
+              </a:spcAft>
+              <a:buClrTx/>
+              <a:buSzTx/>
+              <a:buFontTx/>
+              <a:buNone/>
+              <a:tabLst/>
+            </a:pPr>
+            <a:r>
+              <a:rPr kumimoji="0" lang="en-US" altLang="en-US" sz="2000" b="1" i="0" u="none" strike="noStrike" cap="none" normalizeH="0" baseline="0" dirty="0" smtClean="0">
+                <a:ln>
+                  <a:noFill/>
+                </a:ln>
+                <a:solidFill>
+                  <a:srgbClr val="000000"/>
+                </a:solidFill>
+                <a:effectLst/>
+                <a:latin typeface="Helvetica Neue"/>
+              </a:rPr>
+              <a:t>Foursquare API Data:</a:t>
+            </a:r>
+          </a:p>
+          <a:p>
+            <a:pPr marL="0" marR="0" lvl="0" indent="0" algn="l" defTabSz="914400" rtl="0" eaLnBrk="0" fontAlgn="base" latinLnBrk="0" hangingPunct="0">
+              <a:lnSpc>
+                <a:spcPct val="100000"/>
+              </a:lnSpc>
+              <a:spcBef>
+                <a:spcPct val="0"/>
+              </a:spcBef>
+              <a:spcAft>
+                <a:spcPct val="0"/>
+              </a:spcAft>
+              <a:buClrTx/>
+              <a:buSzTx/>
+              <a:buFontTx/>
+              <a:buNone/>
+              <a:tabLst/>
+            </a:pPr>
+            <a:r>
+              <a:rPr kumimoji="0" lang="en-US" altLang="en-US" sz="1100" b="0" i="0" u="none" strike="noStrike" cap="none" normalizeH="0" baseline="0" dirty="0" smtClean="0">
+                <a:ln>
+                  <a:noFill/>
+                </a:ln>
+                <a:solidFill>
+                  <a:srgbClr val="000000"/>
+                </a:solidFill>
+                <a:effectLst/>
+                <a:latin typeface="Helvetica Neue"/>
+              </a:rPr>
+              <a:t>We will require information about various scenes in various neighborhoods of that particular precinct.</a:t>
+            </a:r>
+            <a:endParaRPr kumimoji="0" lang="en-US" altLang="en-US" sz="800" b="0" i="0" u="none" strike="noStrike" cap="none" normalizeH="0" baseline="0" dirty="0" smtClean="0">
+              <a:ln>
+                <a:noFill/>
+              </a:ln>
+              <a:solidFill>
+                <a:schemeClr val="tx1"/>
+              </a:solidFill>
+              <a:effectLst/>
+            </a:endParaRPr>
+          </a:p>
+          <a:p>
+            <a:pPr marL="0" marR="0" lvl="0" indent="0" algn="l" defTabSz="914400" rtl="0" eaLnBrk="0" fontAlgn="base" latinLnBrk="0" hangingPunct="0">
+              <a:lnSpc>
+                <a:spcPct val="100000"/>
+              </a:lnSpc>
+              <a:spcBef>
+                <a:spcPct val="0"/>
+              </a:spcBef>
+              <a:spcAft>
+                <a:spcPct val="0"/>
+              </a:spcAft>
+              <a:buClrTx/>
+              <a:buSzTx/>
+              <a:buFontTx/>
+              <a:buNone/>
+              <a:tabLst/>
+            </a:pPr>
+            <a:r>
+              <a:rPr kumimoji="0" lang="en-US" altLang="en-US" sz="1100" b="0" i="0" u="none" strike="noStrike" cap="none" normalizeH="0" baseline="0" dirty="0" smtClean="0">
+                <a:ln>
+                  <a:noFill/>
+                </a:ln>
+                <a:solidFill>
+                  <a:srgbClr val="000000"/>
+                </a:solidFill>
+                <a:effectLst/>
+                <a:latin typeface="Helvetica Neue"/>
+              </a:rPr>
+              <a:t>To acquire that data we will utilize "Foursquare" locational data. Foursquare is an area information supplier with data pretty much all way of settings and occasions </a:t>
+            </a:r>
+          </a:p>
+          <a:p>
+            <a:pPr marL="0" marR="0" lvl="0" indent="0" algn="l" defTabSz="914400" rtl="0" eaLnBrk="0" fontAlgn="base" latinLnBrk="0" hangingPunct="0">
+              <a:lnSpc>
+                <a:spcPct val="100000"/>
+              </a:lnSpc>
+              <a:spcBef>
+                <a:spcPct val="0"/>
+              </a:spcBef>
+              <a:spcAft>
+                <a:spcPct val="0"/>
+              </a:spcAft>
+              <a:buClrTx/>
+              <a:buSzTx/>
+              <a:buFontTx/>
+              <a:buNone/>
+              <a:tabLst/>
+            </a:pPr>
+            <a:r>
+              <a:rPr kumimoji="0" lang="en-US" altLang="en-US" sz="1100" b="0" i="0" u="none" strike="noStrike" cap="none" normalizeH="0" baseline="0" dirty="0" smtClean="0">
+                <a:ln>
+                  <a:noFill/>
+                </a:ln>
+                <a:solidFill>
+                  <a:srgbClr val="000000"/>
+                </a:solidFill>
+                <a:effectLst/>
+                <a:latin typeface="Helvetica Neue"/>
+              </a:rPr>
+              <a:t>inside a territory of interest. Such data incorporates setting names, areas, menus and even photographs. All things considered, the foursquare area stage will be </a:t>
+            </a:r>
+          </a:p>
+          <a:p>
+            <a:pPr marL="0" marR="0" lvl="0" indent="0" algn="l" defTabSz="914400" rtl="0" eaLnBrk="0" fontAlgn="base" latinLnBrk="0" hangingPunct="0">
+              <a:lnSpc>
+                <a:spcPct val="100000"/>
+              </a:lnSpc>
+              <a:spcBef>
+                <a:spcPct val="0"/>
+              </a:spcBef>
+              <a:spcAft>
+                <a:spcPct val="0"/>
+              </a:spcAft>
+              <a:buClrTx/>
+              <a:buSzTx/>
+              <a:buFontTx/>
+              <a:buNone/>
+              <a:tabLst/>
+            </a:pPr>
+            <a:r>
+              <a:rPr kumimoji="0" lang="en-US" altLang="en-US" sz="1100" b="0" i="0" u="none" strike="noStrike" cap="none" normalizeH="0" baseline="0" dirty="0" smtClean="0">
+                <a:ln>
+                  <a:noFill/>
+                </a:ln>
+                <a:solidFill>
+                  <a:srgbClr val="000000"/>
+                </a:solidFill>
+                <a:effectLst/>
+                <a:latin typeface="Helvetica Neue"/>
+              </a:rPr>
+              <a:t>utilized as the sole information source since all the expressed required data can be gotten through the API. The API Client ID and Client Secret can be obtained from </a:t>
+            </a:r>
+          </a:p>
+          <a:p>
+            <a:pPr marL="0" marR="0" lvl="0" indent="0" algn="l" defTabSz="914400" rtl="0" eaLnBrk="0" fontAlgn="base" latinLnBrk="0" hangingPunct="0">
+              <a:lnSpc>
+                <a:spcPct val="100000"/>
+              </a:lnSpc>
+              <a:spcBef>
+                <a:spcPct val="0"/>
+              </a:spcBef>
+              <a:spcAft>
+                <a:spcPct val="0"/>
+              </a:spcAft>
+              <a:buClrTx/>
+              <a:buSzTx/>
+              <a:buFontTx/>
+              <a:buNone/>
+              <a:tabLst/>
+            </a:pPr>
+            <a:r>
+              <a:rPr kumimoji="0" lang="en-US" altLang="en-US" sz="1100" b="0" i="0" u="none" strike="noStrike" cap="none" normalizeH="0" baseline="0" dirty="0" smtClean="0">
+                <a:ln>
+                  <a:noFill/>
+                </a:ln>
+                <a:solidFill>
+                  <a:srgbClr val="000000"/>
+                </a:solidFill>
+                <a:effectLst/>
+                <a:latin typeface="Helvetica Neue"/>
+              </a:rPr>
+              <a:t>the Foursquare website </a:t>
+            </a:r>
+            <a:r>
+              <a:rPr kumimoji="0" lang="en-US" altLang="en-US" sz="1100" b="0" i="0" u="sng" strike="noStrike" cap="none" normalizeH="0" baseline="0" dirty="0" smtClean="0">
+                <a:ln>
+                  <a:noFill/>
+                </a:ln>
+                <a:solidFill>
+                  <a:srgbClr val="296EAA"/>
+                </a:solidFill>
+                <a:effectLst/>
+                <a:latin typeface="Helvetica Neue"/>
+                <a:hlinkClick r:id="rId3"/>
+              </a:rPr>
+              <a:t>https://foursquare.com/</a:t>
+            </a:r>
+            <a:r>
+              <a:rPr kumimoji="0" lang="en-US" altLang="en-US" sz="1100" b="0" i="0" u="none" strike="noStrike" cap="none" normalizeH="0" baseline="0" dirty="0" smtClean="0">
+                <a:ln>
+                  <a:noFill/>
+                </a:ln>
+                <a:solidFill>
+                  <a:srgbClr val="000000"/>
+                </a:solidFill>
+                <a:effectLst/>
+                <a:latin typeface="Helvetica Neue"/>
+              </a:rPr>
+              <a:t> with a registered developer account.</a:t>
+            </a:r>
+            <a:endParaRPr kumimoji="0" lang="en-US" altLang="en-US" sz="800" b="0" i="0" u="none" strike="noStrike" cap="none" normalizeH="0" baseline="0" dirty="0" smtClean="0">
+              <a:ln>
+                <a:noFill/>
+              </a:ln>
+              <a:solidFill>
+                <a:schemeClr val="tx1"/>
+              </a:solidFill>
+              <a:effectLst/>
+            </a:endParaRPr>
+          </a:p>
+          <a:p>
+            <a:pPr marL="0" marR="0" lvl="0" indent="0" algn="l" defTabSz="914400" rtl="0" eaLnBrk="0" fontAlgn="base" latinLnBrk="0" hangingPunct="0">
+              <a:lnSpc>
+                <a:spcPct val="100000"/>
+              </a:lnSpc>
+              <a:spcBef>
+                <a:spcPct val="0"/>
+              </a:spcBef>
+              <a:spcAft>
+                <a:spcPct val="0"/>
+              </a:spcAft>
+              <a:buClrTx/>
+              <a:buSzTx/>
+              <a:buFontTx/>
+              <a:buNone/>
+              <a:tabLst/>
+            </a:pPr>
+            <a:r>
+              <a:rPr kumimoji="0" lang="en-US" altLang="en-US" sz="1100" b="0" i="0" u="none" strike="noStrike" cap="none" normalizeH="0" baseline="0" dirty="0" smtClean="0">
+                <a:ln>
+                  <a:noFill/>
+                </a:ln>
+                <a:solidFill>
+                  <a:srgbClr val="000000"/>
+                </a:solidFill>
+                <a:effectLst/>
+                <a:latin typeface="Helvetica Neue"/>
+              </a:rPr>
+              <a:t>After finding the list of neighborhoods, we then connect to the Foursquare API to gather information about venues inside each and every neighborhood. </a:t>
+            </a:r>
+          </a:p>
+          <a:p>
+            <a:pPr marL="0" marR="0" lvl="0" indent="0" algn="l" defTabSz="914400" rtl="0" eaLnBrk="0" fontAlgn="base" latinLnBrk="0" hangingPunct="0">
+              <a:lnSpc>
+                <a:spcPct val="100000"/>
+              </a:lnSpc>
+              <a:spcBef>
+                <a:spcPct val="0"/>
+              </a:spcBef>
+              <a:spcAft>
+                <a:spcPct val="0"/>
+              </a:spcAft>
+              <a:buClrTx/>
+              <a:buSzTx/>
+              <a:buFontTx/>
+              <a:buNone/>
+              <a:tabLst/>
+            </a:pPr>
+            <a:r>
+              <a:rPr kumimoji="0" lang="en-US" altLang="en-US" sz="1100" b="0" i="0" u="none" strike="noStrike" cap="none" normalizeH="0" baseline="0" dirty="0" smtClean="0">
+                <a:ln>
+                  <a:noFill/>
+                </a:ln>
+                <a:solidFill>
+                  <a:srgbClr val="000000"/>
+                </a:solidFill>
+                <a:effectLst/>
+                <a:latin typeface="Helvetica Neue"/>
+              </a:rPr>
+              <a:t>For each neighborhood, we have chosen the radius to be 100 meter.</a:t>
+            </a:r>
+            <a:endParaRPr kumimoji="0" lang="en-US" altLang="en-US" sz="800" b="0" i="0" u="none" strike="noStrike" cap="none" normalizeH="0" baseline="0" dirty="0" smtClean="0">
+              <a:ln>
+                <a:noFill/>
+              </a:ln>
+              <a:solidFill>
+                <a:schemeClr val="tx1"/>
+              </a:solidFill>
+              <a:effectLst/>
+            </a:endParaRPr>
+          </a:p>
+          <a:p>
+            <a:pPr marL="0" marR="0" lvl="0" indent="0" algn="l" defTabSz="914400" rtl="0" eaLnBrk="0" fontAlgn="base" latinLnBrk="0" hangingPunct="0">
+              <a:lnSpc>
+                <a:spcPct val="100000"/>
+              </a:lnSpc>
+              <a:spcBef>
+                <a:spcPct val="0"/>
+              </a:spcBef>
+              <a:spcAft>
+                <a:spcPct val="0"/>
+              </a:spcAft>
+              <a:buClrTx/>
+              <a:buSzTx/>
+              <a:buFontTx/>
+              <a:buNone/>
+              <a:tabLst/>
+            </a:pPr>
+            <a:r>
+              <a:rPr kumimoji="0" lang="en-US" altLang="en-US" sz="1100" b="0" i="0" u="none" strike="noStrike" cap="none" normalizeH="0" baseline="0" dirty="0" smtClean="0">
+                <a:ln>
+                  <a:noFill/>
+                </a:ln>
+                <a:solidFill>
+                  <a:srgbClr val="000000"/>
+                </a:solidFill>
+                <a:effectLst/>
+                <a:latin typeface="Helvetica Neue"/>
+              </a:rPr>
+              <a:t>The data retrieved from Foursquare contained information of venues within a specified distance of the longitude and latitude of the postcodes. The information obtained per venue as follows:</a:t>
+            </a:r>
+            <a:endParaRPr kumimoji="0" lang="en-US" altLang="en-US" sz="1100" b="0" i="0" u="none" strike="noStrike" cap="none" normalizeH="0" baseline="0" dirty="0" smtClean="0">
+              <a:ln>
+                <a:noFill/>
+              </a:ln>
+              <a:solidFill>
+                <a:srgbClr val="000000"/>
+              </a:solidFill>
+              <a:effectLst/>
+              <a:latin typeface="Courier New" panose="02070309020205020404" pitchFamily="49" charset="0"/>
+              <a:cs typeface="Courier New" panose="02070309020205020404" pitchFamily="49" charset="0"/>
+            </a:endParaRPr>
+          </a:p>
+          <a:p>
+            <a:pPr marR="0" lvl="0" algn="l" defTabSz="914400" rtl="0" eaLnBrk="0" fontAlgn="base" latinLnBrk="0" hangingPunct="0">
+              <a:lnSpc>
+                <a:spcPct val="100000"/>
+              </a:lnSpc>
+              <a:spcBef>
+                <a:spcPct val="0"/>
+              </a:spcBef>
+              <a:spcAft>
+                <a:spcPct val="0"/>
+              </a:spcAft>
+              <a:buClrTx/>
+              <a:buSzTx/>
+              <a:buFontTx/>
+              <a:buAutoNum type="arabicPeriod"/>
+              <a:tabLst/>
+            </a:pPr>
+            <a:r>
+              <a:rPr kumimoji="0" lang="en-US" altLang="en-US" sz="1100" b="0" i="0" u="none" strike="noStrike" cap="none" normalizeH="0" baseline="0" dirty="0" smtClean="0">
+                <a:ln>
+                  <a:noFill/>
+                </a:ln>
+                <a:solidFill>
+                  <a:srgbClr val="000000"/>
+                </a:solidFill>
+                <a:effectLst/>
+                <a:latin typeface="Courier New" panose="02070309020205020404" pitchFamily="49" charset="0"/>
+                <a:cs typeface="Courier New" panose="02070309020205020404" pitchFamily="49" charset="0"/>
+              </a:rPr>
+              <a:t>Neighborhood </a:t>
+            </a:r>
+          </a:p>
+          <a:p>
+            <a:pPr marR="0" lvl="0" algn="l" defTabSz="914400" rtl="0" eaLnBrk="0" fontAlgn="base" latinLnBrk="0" hangingPunct="0">
+              <a:lnSpc>
+                <a:spcPct val="100000"/>
+              </a:lnSpc>
+              <a:spcBef>
+                <a:spcPct val="0"/>
+              </a:spcBef>
+              <a:spcAft>
+                <a:spcPct val="0"/>
+              </a:spcAft>
+              <a:buClrTx/>
+              <a:buSzTx/>
+              <a:buFontTx/>
+              <a:buAutoNum type="arabicPeriod"/>
+              <a:tabLst/>
+            </a:pPr>
+            <a:r>
+              <a:rPr kumimoji="0" lang="en-US" altLang="en-US" sz="1100" b="0" i="0" u="none" strike="noStrike" cap="none" normalizeH="0" baseline="0" dirty="0" smtClean="0">
+                <a:ln>
+                  <a:noFill/>
+                </a:ln>
+                <a:solidFill>
+                  <a:srgbClr val="000000"/>
+                </a:solidFill>
+                <a:effectLst/>
+                <a:latin typeface="Courier New" panose="02070309020205020404" pitchFamily="49" charset="0"/>
+                <a:cs typeface="Courier New" panose="02070309020205020404" pitchFamily="49" charset="0"/>
+              </a:rPr>
+              <a:t>Neighborhood Latitude </a:t>
+            </a:r>
+          </a:p>
+          <a:p>
+            <a:pPr marR="0" lvl="0" algn="l" defTabSz="914400" rtl="0" eaLnBrk="0" fontAlgn="base" latinLnBrk="0" hangingPunct="0">
+              <a:lnSpc>
+                <a:spcPct val="100000"/>
+              </a:lnSpc>
+              <a:spcBef>
+                <a:spcPct val="0"/>
+              </a:spcBef>
+              <a:spcAft>
+                <a:spcPct val="0"/>
+              </a:spcAft>
+              <a:buClrTx/>
+              <a:buSzTx/>
+              <a:buFontTx/>
+              <a:buAutoNum type="arabicPeriod"/>
+              <a:tabLst/>
+            </a:pPr>
+            <a:r>
+              <a:rPr kumimoji="0" lang="en-US" altLang="en-US" sz="1100" b="0" i="0" u="none" strike="noStrike" cap="none" normalizeH="0" baseline="0" dirty="0" smtClean="0">
+                <a:ln>
+                  <a:noFill/>
+                </a:ln>
+                <a:solidFill>
+                  <a:srgbClr val="000000"/>
+                </a:solidFill>
+                <a:effectLst/>
+                <a:latin typeface="Courier New" panose="02070309020205020404" pitchFamily="49" charset="0"/>
+                <a:cs typeface="Courier New" panose="02070309020205020404" pitchFamily="49" charset="0"/>
+              </a:rPr>
+              <a:t>Neighborhood Longitude </a:t>
+            </a:r>
+          </a:p>
+          <a:p>
+            <a:pPr marR="0" lvl="0" algn="l" defTabSz="914400" rtl="0" eaLnBrk="0" fontAlgn="base" latinLnBrk="0" hangingPunct="0">
+              <a:lnSpc>
+                <a:spcPct val="100000"/>
+              </a:lnSpc>
+              <a:spcBef>
+                <a:spcPct val="0"/>
+              </a:spcBef>
+              <a:spcAft>
+                <a:spcPct val="0"/>
+              </a:spcAft>
+              <a:buClrTx/>
+              <a:buSzTx/>
+              <a:buFontTx/>
+              <a:buAutoNum type="arabicPeriod"/>
+              <a:tabLst/>
+            </a:pPr>
+            <a:r>
+              <a:rPr kumimoji="0" lang="en-US" altLang="en-US" sz="1100" b="0" i="0" u="none" strike="noStrike" cap="none" normalizeH="0" baseline="0" dirty="0" smtClean="0">
+                <a:ln>
+                  <a:noFill/>
+                </a:ln>
+                <a:solidFill>
+                  <a:srgbClr val="000000"/>
+                </a:solidFill>
+                <a:effectLst/>
+                <a:latin typeface="Courier New" panose="02070309020205020404" pitchFamily="49" charset="0"/>
+                <a:cs typeface="Courier New" panose="02070309020205020404" pitchFamily="49" charset="0"/>
+              </a:rPr>
+              <a:t>Venue </a:t>
+            </a:r>
+          </a:p>
+          <a:p>
+            <a:pPr marR="0" lvl="0" algn="l" defTabSz="914400" rtl="0" eaLnBrk="0" fontAlgn="base" latinLnBrk="0" hangingPunct="0">
+              <a:lnSpc>
+                <a:spcPct val="100000"/>
+              </a:lnSpc>
+              <a:spcBef>
+                <a:spcPct val="0"/>
+              </a:spcBef>
+              <a:spcAft>
+                <a:spcPct val="0"/>
+              </a:spcAft>
+              <a:buClrTx/>
+              <a:buSzTx/>
+              <a:buFontTx/>
+              <a:buAutoNum type="arabicPeriod"/>
+              <a:tabLst/>
+            </a:pPr>
+            <a:r>
+              <a:rPr kumimoji="0" lang="en-US" altLang="en-US" sz="1100" b="0" i="0" u="none" strike="noStrike" cap="none" normalizeH="0" baseline="0" dirty="0" smtClean="0">
+                <a:ln>
+                  <a:noFill/>
+                </a:ln>
+                <a:solidFill>
+                  <a:srgbClr val="000000"/>
+                </a:solidFill>
+                <a:effectLst/>
+                <a:latin typeface="Courier New" panose="02070309020205020404" pitchFamily="49" charset="0"/>
+                <a:cs typeface="Courier New" panose="02070309020205020404" pitchFamily="49" charset="0"/>
+              </a:rPr>
+              <a:t>Name of the venue e.g. the name of a store or restaurant </a:t>
+            </a:r>
+          </a:p>
+          <a:p>
+            <a:pPr marR="0" lvl="0" algn="l" defTabSz="914400" rtl="0" eaLnBrk="0" fontAlgn="base" latinLnBrk="0" hangingPunct="0">
+              <a:lnSpc>
+                <a:spcPct val="100000"/>
+              </a:lnSpc>
+              <a:spcBef>
+                <a:spcPct val="0"/>
+              </a:spcBef>
+              <a:spcAft>
+                <a:spcPct val="0"/>
+              </a:spcAft>
+              <a:buClrTx/>
+              <a:buSzTx/>
+              <a:buFontTx/>
+              <a:buAutoNum type="arabicPeriod"/>
+              <a:tabLst/>
+            </a:pPr>
+            <a:r>
+              <a:rPr kumimoji="0" lang="en-US" altLang="en-US" sz="1100" b="0" i="0" u="none" strike="noStrike" cap="none" normalizeH="0" baseline="0" dirty="0" smtClean="0">
+                <a:ln>
+                  <a:noFill/>
+                </a:ln>
+                <a:solidFill>
+                  <a:srgbClr val="000000"/>
+                </a:solidFill>
+                <a:effectLst/>
+                <a:latin typeface="Courier New" panose="02070309020205020404" pitchFamily="49" charset="0"/>
+                <a:cs typeface="Courier New" panose="02070309020205020404" pitchFamily="49" charset="0"/>
+              </a:rPr>
+              <a:t>Venue Latitude </a:t>
+            </a:r>
+          </a:p>
+          <a:p>
+            <a:pPr marR="0" lvl="0" algn="l" defTabSz="914400" rtl="0" eaLnBrk="0" fontAlgn="base" latinLnBrk="0" hangingPunct="0">
+              <a:lnSpc>
+                <a:spcPct val="100000"/>
+              </a:lnSpc>
+              <a:spcBef>
+                <a:spcPct val="0"/>
+              </a:spcBef>
+              <a:spcAft>
+                <a:spcPct val="0"/>
+              </a:spcAft>
+              <a:buClrTx/>
+              <a:buSzTx/>
+              <a:buFontTx/>
+              <a:buAutoNum type="arabicPeriod"/>
+              <a:tabLst/>
+            </a:pPr>
+            <a:r>
+              <a:rPr kumimoji="0" lang="en-US" altLang="en-US" sz="1100" b="0" i="0" u="none" strike="noStrike" cap="none" normalizeH="0" baseline="0" dirty="0" smtClean="0">
+                <a:ln>
+                  <a:noFill/>
+                </a:ln>
+                <a:solidFill>
+                  <a:srgbClr val="000000"/>
+                </a:solidFill>
+                <a:effectLst/>
+                <a:latin typeface="Courier New" panose="02070309020205020404" pitchFamily="49" charset="0"/>
+                <a:cs typeface="Courier New" panose="02070309020205020404" pitchFamily="49" charset="0"/>
+              </a:rPr>
+              <a:t>Venue Longitude 8. Venue Category</a:t>
+            </a:r>
+            <a:r>
+              <a:rPr kumimoji="0" lang="en-US" altLang="en-US" sz="800" b="0" i="0" u="none" strike="noStrike" cap="none" normalizeH="0" baseline="0" dirty="0" smtClean="0">
+                <a:ln>
+                  <a:noFill/>
+                </a:ln>
+                <a:solidFill>
+                  <a:schemeClr val="tx1"/>
+                </a:solidFill>
+                <a:effectLst/>
+              </a:rPr>
+              <a:t> </a:t>
+            </a:r>
+            <a:endParaRPr kumimoji="0" lang="en-US" altLang="en-US" sz="2400" b="0" i="0" u="none" strike="noStrike" cap="none" normalizeH="0" baseline="0" dirty="0" smtClean="0">
+              <a:ln>
+                <a:noFill/>
+              </a:ln>
+              <a:solidFill>
+                <a:schemeClr val="tx1"/>
+              </a:solidFill>
+              <a:effectLst/>
+              <a:latin typeface="Arial" panose="020B0604020202020204" pitchFamily="34" charset="0"/>
+            </a:endParaRPr>
           </a:p>
         </p:txBody>
       </p:sp>
@@ -3720,7 +5073,23 @@
           <a:bodyPr/>
           <a:lstStyle/>
           <a:p>
-            <a:endParaRPr lang="en-MY"/>
+            <a:r>
+              <a:rPr lang="en-US" b="1" dirty="0" smtClean="0">
+                <a:solidFill>
+                  <a:schemeClr val="accent1">
+                    <a:lumMod val="75000"/>
+                  </a:schemeClr>
+                </a:solidFill>
+              </a:rPr>
+              <a:t>3. Methodology</a:t>
+            </a:r>
+            <a:endParaRPr lang="en-MY" b="1" dirty="0">
+              <a:solidFill>
+                <a:schemeClr val="accent1">
+                  <a:lumMod val="75000"/>
+                </a:schemeClr>
+              </a:solidFill>
+            </a:endParaRPr>
           </a:p>
         </p:txBody>
       </p:sp>
@@ -3739,14 +5108,45 @@
           <a:bodyPr/>
           <a:lstStyle/>
           <a:p>
-            <a:endParaRPr lang="en-MY"/>
+            <a:pPr marL="0" indent="0">
+              <a:buNone/>
+            </a:pPr>
+            <a:r>
+              <a:rPr lang="en-MY" b="1" dirty="0"/>
+              <a:t>Clustering Approach:</a:t>
+            </a:r>
+          </a:p>
+          <a:p>
+            <a:r>
+              <a:rPr lang="en-MY" dirty="0"/>
+              <a:t>To compare the similarities of two cities, we decided to explore </a:t>
+            </a:r>
+            <a:r>
+              <a:rPr lang="en-MY" dirty="0" smtClean="0"/>
+              <a:t>neighbourhoods, </a:t>
+            </a:r>
+            <a:r>
+              <a:rPr lang="en-MY" dirty="0"/>
+              <a:t>segment them, and group them into clusters to find similar </a:t>
+            </a:r>
+            <a:r>
+              <a:rPr lang="en-MY" dirty="0" smtClean="0"/>
+              <a:t>neighbourhoods </a:t>
+            </a:r>
+            <a:r>
+              <a:rPr lang="en-MY" dirty="0"/>
+              <a:t>in a big city like New York and Toronto. To be able to do that, we need to cluster data which is a form of unsupervised machine learning: k-means clustering algorithm.</a:t>
+            </a:r>
+          </a:p>
+          <a:p>
+            <a:endParaRPr lang="en-MY" dirty="0"/>
           </a:p>
         </p:txBody>
       </p:sp>
     </p:spTree>
     <p:extLst>
       <p:ext uri="{BB962C8B-B14F-4D97-AF65-F5344CB8AC3E}">
-        <p14:creationId xmlns:p14="http://schemas.microsoft.com/office/powerpoint/2010/main" val="2103462627"/>
+        <p14:creationId xmlns:p14="http://schemas.microsoft.com/office/powerpoint/2010/main" val="2733536211"/>
       </p:ext>
     </p:extLst>
   </p:cSld>
@@ -3788,29 +5188,43 @@
           <a:bodyPr/>
           <a:lstStyle/>
           <a:p>
-            <a:endParaRPr lang="en-MY"/>
+            <a:r>
+              <a:rPr lang="en-MY" b="1" dirty="0" smtClean="0">
+                <a:solidFill>
+                  <a:schemeClr val="accent1">
+                    <a:lumMod val="75000"/>
+                  </a:schemeClr>
+                </a:solidFill>
+              </a:rPr>
+              <a:t>Using K-Means Clustering Approach</a:t>
+            </a:r>
+            <a:endParaRPr lang="en-MY" dirty="0">
+              <a:solidFill>
+                <a:schemeClr val="accent1">
+                  <a:lumMod val="75000"/>
+                </a:schemeClr>
+              </a:solidFill>
+            </a:endParaRPr>
           </a:p>
         </p:txBody>
       </p:sp>
       <p:pic>
         <p:nvPicPr>
-          <p:cNvPr id="4" name="Content Placeholder 3"/>
+          <p:cNvPr id="4" name="Picture 3"/>
           <p:cNvPicPr>
-            <a:picLocks noGrp="1" noChangeAspect="1"/>
+            <a:picLocks noChangeAspect="1"/>
           </p:cNvPicPr>
-          <p:nvPr>
-            <p:ph idx="1"/>
-          </p:nvPr>
+          <p:nvPr/>
         </p:nvPicPr>
         <p:blipFill rotWithShape="1">
           <a:blip r:embed="rId2"/>
-          <a:srcRect l="33062" t="28443" r="28545" b="17097"/>
+          <a:srcRect l="23654" t="24872" r="23077" b="14729"/>
           <a:stretch/>
         </p:blipFill>
         <p:spPr>
           <a:xfrm>
-            <a:off x="2247900" y="1905000"/>
-            <a:ext cx="7696200" cy="4605717"/>
+            <a:off x="1047380" y="1500555"/>
+            <a:ext cx="10097240" cy="4829907"/>
           </a:xfrm>
           <a:prstGeom prst="rect">
             <a:avLst/>
@@ -3820,7 +5234,7 @@
     </p:spTree>
     <p:extLst>
       <p:ext uri="{BB962C8B-B14F-4D97-AF65-F5344CB8AC3E}">
-        <p14:creationId xmlns:p14="http://schemas.microsoft.com/office/powerpoint/2010/main" val="2964254661"/>
+        <p14:creationId xmlns:p14="http://schemas.microsoft.com/office/powerpoint/2010/main" val="901947805"/>
       </p:ext>
     </p:extLst>
   </p:cSld>
@@ -3862,33 +5276,63 @@
           <a:bodyPr/>
           <a:lstStyle/>
           <a:p>
-            <a:endParaRPr lang="en-MY"/>
-          </a:p>
-        </p:txBody>
-      </p:sp>
-      <p:sp>
-        <p:nvSpPr>
-          <p:cNvPr id="3" name="Content Placeholder 2"/>
-          <p:cNvSpPr>
-            <a:spLocks noGrp="1"/>
-          </p:cNvSpPr>
-          <p:nvPr>
-            <p:ph idx="1"/>
-          </p:nvPr>
-        </p:nvSpPr>
-        <p:spPr/>
-        <p:txBody>
-          <a:bodyPr/>
-          <a:lstStyle/>
-          <a:p>
-            <a:endParaRPr lang="en-MY"/>
-          </a:p>
-        </p:txBody>
-      </p:sp>
+            <a:r>
+              <a:rPr lang="en-MY" b="1" dirty="0">
+                <a:solidFill>
+                  <a:schemeClr val="accent1">
+                    <a:lumMod val="75000"/>
+                  </a:schemeClr>
+                </a:solidFill>
+              </a:rPr>
+              <a:t>Most Common venues near </a:t>
+            </a:r>
+            <a:r>
+              <a:rPr lang="en-MY" b="1" dirty="0" smtClean="0">
+                <a:solidFill>
+                  <a:schemeClr val="accent1">
+                    <a:lumMod val="75000"/>
+                  </a:schemeClr>
+                </a:solidFill>
+              </a:rPr>
+              <a:t>Neighbourhood</a:t>
+            </a:r>
+            <a:endParaRPr lang="en-MY" dirty="0">
+              <a:solidFill>
+                <a:schemeClr val="accent1">
+                  <a:lumMod val="75000"/>
+                </a:schemeClr>
+              </a:solidFill>
+            </a:endParaRPr>
+          </a:p>
+        </p:txBody>
+      </p:sp>
+      <p:pic>
+        <p:nvPicPr>
+          <p:cNvPr id="4" name="Picture 3"/>
+          <p:cNvPicPr>
+            <a:picLocks noChangeAspect="1"/>
+          </p:cNvPicPr>
+          <p:nvPr/>
+        </p:nvPicPr>
+        <p:blipFill rotWithShape="1">
+          <a:blip r:embed="rId2"/>
+          <a:srcRect l="30288" t="21681" r="26057" b="10170"/>
+          <a:stretch/>
+        </p:blipFill>
+        <p:spPr>
+          <a:xfrm>
+            <a:off x="1992922" y="1494667"/>
+            <a:ext cx="7596554" cy="5003017"/>
+          </a:xfrm>
+          <a:prstGeom prst="rect">
+            <a:avLst/>
+          </a:prstGeom>
+        </p:spPr>
+      </p:pic>
     </p:spTree>
     <p:extLst>
       <p:ext uri="{BB962C8B-B14F-4D97-AF65-F5344CB8AC3E}">
-        <p14:creationId xmlns:p14="http://schemas.microsoft.com/office/powerpoint/2010/main" val="1102483506"/>
+        <p14:creationId xmlns:p14="http://schemas.microsoft.com/office/powerpoint/2010/main" val="1517421137"/>
       </p:ext>
     </p:extLst>
   </p:cSld>
@@ -3931,16 +5375,16 @@
           <a:lstStyle/>
           <a:p>
             <a:r>
-              <a:rPr lang="en-US" dirty="0" smtClean="0">
+              <a:rPr lang="en-US" b="1" dirty="0" smtClean="0">
                 <a:solidFill>
                   <a:schemeClr val="accent1">
                     <a:lumMod val="75000"/>
                   </a:schemeClr>
                 </a:solidFill>
               </a:rPr>
-              <a:t>Average Housing Price</a:t>
-            </a:r>
-            <a:endParaRPr lang="en-MY" dirty="0">
+              <a:t>Tools &amp; Library</a:t>
+            </a:r>
+            <a:endParaRPr lang="en-MY" b="1" dirty="0">
               <a:solidFill>
                 <a:schemeClr val="accent1">
                   <a:lumMod val="75000"/>
@@ -3950,33 +5394,162 @@
           </a:p>
         </p:txBody>
       </p:sp>
-      <p:pic>
-        <p:nvPicPr>
-          <p:cNvPr id="4" name="Picture 3"/>
-          <p:cNvPicPr>
-            <a:picLocks noChangeAspect="1"/>
-          </p:cNvPicPr>
-          <p:nvPr/>
-        </p:nvPicPr>
-        <p:blipFill rotWithShape="1">
-          <a:blip r:embed="rId2"/>
-          <a:srcRect l="33053" t="23403" r="28776" b="14561"/>
-          <a:stretch/>
-        </p:blipFill>
+      <p:sp>
+        <p:nvSpPr>
+          <p:cNvPr id="3" name="Content Placeholder 2"/>
+          <p:cNvSpPr>
+            <a:spLocks noGrp="1"/>
+          </p:cNvSpPr>
+          <p:nvPr>
+            <p:ph idx="1"/>
+          </p:nvPr>
+        </p:nvSpPr>
         <p:spPr>
           <a:xfrm>
-            <a:off x="2409390" y="1602706"/>
-            <a:ext cx="7373219" cy="5055269"/>
+            <a:off x="838200" y="1473200"/>
+            <a:ext cx="10515600" cy="4351338"/>
           </a:xfrm>
-          <a:prstGeom prst="rect">
-            <a:avLst/>
-          </a:prstGeom>
         </p:spPr>
-      </p:pic>
+        <p:txBody>
+          <a:bodyPr>
+            <a:noAutofit/>
+          </a:bodyPr>
+          <a:lstStyle/>
+          <a:p>
+            <a:pPr marL="0" indent="0">
+              <a:buNone/>
+            </a:pPr>
+            <a:endParaRPr lang="en-MY" sz="1400" dirty="0" smtClean="0"/>
+          </a:p>
+          <a:p>
+            <a:r>
+              <a:rPr lang="en-MY" sz="1400" dirty="0" smtClean="0"/>
+              <a:t>&gt; Pandas: For creating and manipulating </a:t>
+            </a:r>
+            <a:r>
+              <a:rPr lang="en-MY" sz="1400" dirty="0" err="1" smtClean="0"/>
+              <a:t>dataframes</a:t>
+            </a:r>
+            <a:r>
+              <a:rPr lang="en-MY" sz="1400" dirty="0" smtClean="0"/>
+              <a:t>.</a:t>
+            </a:r>
+          </a:p>
+          <a:p>
+            <a:r>
+              <a:rPr lang="en-MY" sz="1400" dirty="0" smtClean="0"/>
+              <a:t>&gt;</a:t>
+            </a:r>
+          </a:p>
+          <a:p>
+            <a:r>
+              <a:rPr lang="en-MY" sz="1400" dirty="0" smtClean="0"/>
+              <a:t>&gt; Folium: Python visualization library would be used to visualize the </a:t>
+            </a:r>
+            <a:r>
+              <a:rPr lang="en-MY" sz="1400" dirty="0" err="1" smtClean="0"/>
+              <a:t>neighborhoods</a:t>
+            </a:r>
+            <a:r>
+              <a:rPr lang="en-MY" sz="1400" dirty="0" smtClean="0"/>
+              <a:t> cluster distribution of using interactive leaflet map.</a:t>
+            </a:r>
+          </a:p>
+          <a:p>
+            <a:r>
+              <a:rPr lang="en-MY" sz="1400" dirty="0" smtClean="0"/>
+              <a:t>&gt; </a:t>
+            </a:r>
+          </a:p>
+          <a:p>
+            <a:r>
+              <a:rPr lang="en-MY" sz="1400" dirty="0" smtClean="0"/>
+              <a:t>&gt; </a:t>
+            </a:r>
+            <a:r>
+              <a:rPr lang="en-MY" sz="1400" dirty="0" err="1" smtClean="0"/>
+              <a:t>Scikit</a:t>
+            </a:r>
+            <a:r>
+              <a:rPr lang="en-MY" sz="1400" dirty="0" smtClean="0"/>
+              <a:t> Learn: For importing k-means clustering.</a:t>
+            </a:r>
+          </a:p>
+          <a:p>
+            <a:r>
+              <a:rPr lang="en-MY" sz="1400" dirty="0" smtClean="0"/>
+              <a:t>&gt;</a:t>
+            </a:r>
+          </a:p>
+          <a:p>
+            <a:r>
+              <a:rPr lang="en-MY" sz="1400" dirty="0" smtClean="0"/>
+              <a:t>&gt; JSON: Library to handle JSON files.</a:t>
+            </a:r>
+          </a:p>
+          <a:p>
+            <a:r>
+              <a:rPr lang="en-MY" sz="1400" dirty="0" smtClean="0"/>
+              <a:t>&gt;</a:t>
+            </a:r>
+          </a:p>
+          <a:p>
+            <a:r>
+              <a:rPr lang="en-MY" sz="1400" dirty="0" smtClean="0"/>
+              <a:t>&gt; XML: To separate data from presentation and XML stores data in plain text format.</a:t>
+            </a:r>
+          </a:p>
+          <a:p>
+            <a:r>
+              <a:rPr lang="en-MY" sz="1400" dirty="0" smtClean="0"/>
+              <a:t>&gt; </a:t>
+            </a:r>
+          </a:p>
+          <a:p>
+            <a:r>
+              <a:rPr lang="en-MY" sz="1400" dirty="0" smtClean="0"/>
+              <a:t>&gt; Geocoder: To retrieve Location Data.</a:t>
+            </a:r>
+          </a:p>
+          <a:p>
+            <a:r>
+              <a:rPr lang="en-MY" sz="1400" dirty="0" smtClean="0"/>
+              <a:t>&gt; </a:t>
+            </a:r>
+          </a:p>
+          <a:p>
+            <a:r>
+              <a:rPr lang="en-MY" sz="1400" dirty="0" smtClean="0"/>
+              <a:t>&gt; Beautiful Soup and Requests: To scrap and library to handle http requests.</a:t>
+            </a:r>
+          </a:p>
+          <a:p>
+            <a:r>
+              <a:rPr lang="en-MY" sz="1400" dirty="0" smtClean="0"/>
+              <a:t>&gt; </a:t>
+            </a:r>
+          </a:p>
+          <a:p>
+            <a:r>
+              <a:rPr lang="en-MY" sz="1400" dirty="0" smtClean="0"/>
+              <a:t>&gt; </a:t>
+            </a:r>
+            <a:r>
+              <a:rPr lang="en-MY" sz="1400" dirty="0" err="1" smtClean="0"/>
+              <a:t>Matplotlib</a:t>
+            </a:r>
+            <a:r>
+              <a:rPr lang="en-MY" sz="1400" dirty="0" smtClean="0"/>
+              <a:t>: Python Plotting Module.</a:t>
+            </a:r>
+            <a:endParaRPr lang="en-MY" sz="1400" dirty="0"/>
+          </a:p>
+        </p:txBody>
+      </p:sp>
     </p:spTree>
     <p:extLst>
       <p:ext uri="{BB962C8B-B14F-4D97-AF65-F5344CB8AC3E}">
-        <p14:creationId xmlns:p14="http://schemas.microsoft.com/office/powerpoint/2010/main" val="2309691875"/>
+        <p14:creationId xmlns:p14="http://schemas.microsoft.com/office/powerpoint/2010/main" val="2103462627"/>
       </p:ext>
     </p:extLst>
   </p:cSld>
